--- a/doc_imgs/figures_for_doc.pptx
+++ b/doc_imgs/figures_for_doc.pptx
@@ -8,7 +8,7 @@
     <p:sldId id="256" r:id="rId2"/>
     <p:sldId id="257" r:id="rId3"/>
     <p:sldId id="258" r:id="rId4"/>
-    <p:sldId id="260" r:id="rId5"/>
+    <p:sldId id="263" r:id="rId5"/>
     <p:sldId id="259" r:id="rId6"/>
   </p:sldIdLst>
   <p:sldSz cx="12192000" cy="6858000"/>
@@ -265,7 +265,7 @@
           <a:p>
             <a:fld id="{36204FB6-8AE1-451F-8705-3F26875954AE}" type="datetimeFigureOut">
               <a:rPr lang="en-US" smtClean="0"/>
-              <a:t>7/19/2021</a:t>
+              <a:t>7/20/2021</a:t>
             </a:fld>
             <a:endParaRPr lang="en-US"/>
           </a:p>
@@ -465,7 +465,7 @@
           <a:p>
             <a:fld id="{36204FB6-8AE1-451F-8705-3F26875954AE}" type="datetimeFigureOut">
               <a:rPr lang="en-US" smtClean="0"/>
-              <a:t>7/19/2021</a:t>
+              <a:t>7/20/2021</a:t>
             </a:fld>
             <a:endParaRPr lang="en-US"/>
           </a:p>
@@ -675,7 +675,7 @@
           <a:p>
             <a:fld id="{36204FB6-8AE1-451F-8705-3F26875954AE}" type="datetimeFigureOut">
               <a:rPr lang="en-US" smtClean="0"/>
-              <a:t>7/19/2021</a:t>
+              <a:t>7/20/2021</a:t>
             </a:fld>
             <a:endParaRPr lang="en-US"/>
           </a:p>
@@ -875,7 +875,7 @@
           <a:p>
             <a:fld id="{36204FB6-8AE1-451F-8705-3F26875954AE}" type="datetimeFigureOut">
               <a:rPr lang="en-US" smtClean="0"/>
-              <a:t>7/19/2021</a:t>
+              <a:t>7/20/2021</a:t>
             </a:fld>
             <a:endParaRPr lang="en-US"/>
           </a:p>
@@ -1151,7 +1151,7 @@
           <a:p>
             <a:fld id="{36204FB6-8AE1-451F-8705-3F26875954AE}" type="datetimeFigureOut">
               <a:rPr lang="en-US" smtClean="0"/>
-              <a:t>7/19/2021</a:t>
+              <a:t>7/20/2021</a:t>
             </a:fld>
             <a:endParaRPr lang="en-US"/>
           </a:p>
@@ -1419,7 +1419,7 @@
           <a:p>
             <a:fld id="{36204FB6-8AE1-451F-8705-3F26875954AE}" type="datetimeFigureOut">
               <a:rPr lang="en-US" smtClean="0"/>
-              <a:t>7/19/2021</a:t>
+              <a:t>7/20/2021</a:t>
             </a:fld>
             <a:endParaRPr lang="en-US"/>
           </a:p>
@@ -1834,7 +1834,7 @@
           <a:p>
             <a:fld id="{36204FB6-8AE1-451F-8705-3F26875954AE}" type="datetimeFigureOut">
               <a:rPr lang="en-US" smtClean="0"/>
-              <a:t>7/19/2021</a:t>
+              <a:t>7/20/2021</a:t>
             </a:fld>
             <a:endParaRPr lang="en-US"/>
           </a:p>
@@ -1976,7 +1976,7 @@
           <a:p>
             <a:fld id="{36204FB6-8AE1-451F-8705-3F26875954AE}" type="datetimeFigureOut">
               <a:rPr lang="en-US" smtClean="0"/>
-              <a:t>7/19/2021</a:t>
+              <a:t>7/20/2021</a:t>
             </a:fld>
             <a:endParaRPr lang="en-US"/>
           </a:p>
@@ -2089,7 +2089,7 @@
           <a:p>
             <a:fld id="{36204FB6-8AE1-451F-8705-3F26875954AE}" type="datetimeFigureOut">
               <a:rPr lang="en-US" smtClean="0"/>
-              <a:t>7/19/2021</a:t>
+              <a:t>7/20/2021</a:t>
             </a:fld>
             <a:endParaRPr lang="en-US"/>
           </a:p>
@@ -2402,7 +2402,7 @@
           <a:p>
             <a:fld id="{36204FB6-8AE1-451F-8705-3F26875954AE}" type="datetimeFigureOut">
               <a:rPr lang="en-US" smtClean="0"/>
-              <a:t>7/19/2021</a:t>
+              <a:t>7/20/2021</a:t>
             </a:fld>
             <a:endParaRPr lang="en-US"/>
           </a:p>
@@ -2691,7 +2691,7 @@
           <a:p>
             <a:fld id="{36204FB6-8AE1-451F-8705-3F26875954AE}" type="datetimeFigureOut">
               <a:rPr lang="en-US" smtClean="0"/>
-              <a:t>7/19/2021</a:t>
+              <a:t>7/20/2021</a:t>
             </a:fld>
             <a:endParaRPr lang="en-US"/>
           </a:p>
@@ -2934,7 +2934,7 @@
           <a:p>
             <a:fld id="{36204FB6-8AE1-451F-8705-3F26875954AE}" type="datetimeFigureOut">
               <a:rPr lang="en-US" smtClean="0"/>
-              <a:t>7/19/2021</a:t>
+              <a:t>7/20/2021</a:t>
             </a:fld>
             <a:endParaRPr lang="en-US"/>
           </a:p>
@@ -6404,6 +6404,52 @@
           </a:prstGeom>
         </p:spPr>
       </p:pic>
+      <p:cxnSp>
+        <p:nvCxnSpPr>
+          <p:cNvPr id="66" name="直接箭头连接符 65">
+            <a:extLst>
+              <a:ext uri="{FF2B5EF4-FFF2-40B4-BE49-F238E27FC236}">
+                <a16:creationId xmlns:a16="http://schemas.microsoft.com/office/drawing/2014/main" id="{0790F808-61A9-4FA3-A84E-8DE25D022A5A}"/>
+              </a:ext>
+            </a:extLst>
+          </p:cNvPr>
+          <p:cNvCxnSpPr>
+            <a:cxnSpLocks/>
+          </p:cNvCxnSpPr>
+          <p:nvPr/>
+        </p:nvCxnSpPr>
+        <p:spPr>
+          <a:xfrm flipH="1" flipV="1">
+            <a:off x="8595629" y="1981527"/>
+            <a:ext cx="311900" cy="89064"/>
+          </a:xfrm>
+          <a:prstGeom prst="straightConnector1">
+            <a:avLst/>
+          </a:prstGeom>
+          <a:ln w="38100">
+            <a:solidFill>
+              <a:schemeClr val="accent5">
+                <a:lumMod val="50000"/>
+              </a:schemeClr>
+            </a:solidFill>
+            <a:tailEnd type="triangle"/>
+          </a:ln>
+        </p:spPr>
+        <p:style>
+          <a:lnRef idx="1">
+            <a:schemeClr val="accent1"/>
+          </a:lnRef>
+          <a:fillRef idx="0">
+            <a:schemeClr val="accent1"/>
+          </a:fillRef>
+          <a:effectRef idx="0">
+            <a:schemeClr val="accent1"/>
+          </a:effectRef>
+          <a:fontRef idx="minor">
+            <a:schemeClr val="tx1"/>
+          </a:fontRef>
+        </p:style>
+      </p:cxnSp>
     </p:spTree>
     <p:extLst>
       <p:ext uri="{BB962C8B-B14F-4D97-AF65-F5344CB8AC3E}">
@@ -9171,7 +9217,7 @@
     </p:spTree>
     <p:extLst>
       <p:ext uri="{BB962C8B-B14F-4D97-AF65-F5344CB8AC3E}">
-        <p14:creationId xmlns:p14="http://schemas.microsoft.com/office/powerpoint/2010/main" val="1255928236"/>
+        <p14:creationId xmlns:p14="http://schemas.microsoft.com/office/powerpoint/2010/main" val="1771483445"/>
       </p:ext>
     </p:extLst>
   </p:cSld>
